--- a/Capstone Project 1/Water Pumps/Docs/Water Pump Slides.pptx
+++ b/Capstone Project 1/Water Pumps/Docs/Water Pump Slides.pptx
@@ -1,6 +1,6 @@
 
 <file path=ppt/presentation.xml><?xml version="1.0" encoding="utf-8"?>
-<p:presentation xmlns:a="http://schemas.openxmlformats.org/drawingml/2006/main" xmlns:r="http://schemas.openxmlformats.org/officeDocument/2006/relationships" xmlns:mc="http://schemas.openxmlformats.org/markup-compatibility/2006" xmlns:mv="urn:schemas-microsoft-com:mac:vml" xmlns:p="http://schemas.openxmlformats.org/presentationml/2006/main" xmlns:c="http://schemas.openxmlformats.org/drawingml/2006/chart" xmlns:dgm="http://schemas.openxmlformats.org/drawingml/2006/diagram" xmlns:o="urn:schemas-microsoft-com:office:office" xmlns:v="urn:schemas-microsoft-com:vml" xmlns:pvml="urn:schemas-microsoft-com:office:powerpoint" xmlns:com="http://schemas.openxmlformats.org/drawingml/2006/compatibility" xmlns:p14="http://schemas.microsoft.com/office/powerpoint/2010/main" xmlns:p15="http://schemas.microsoft.com/office/powerpoint/2012/main" autoCompressPictures="0" embedTrueTypeFonts="1" strictFirstAndLastChars="0" saveSubsetFonts="1">
+<p:presentation xmlns:a="http://schemas.openxmlformats.org/drawingml/2006/main" xmlns:r="http://schemas.openxmlformats.org/officeDocument/2006/relationships" xmlns:mc="http://schemas.openxmlformats.org/markup-compatibility/2006" xmlns:mv="urn:schemas-microsoft-com:mac:vml" xmlns:p="http://schemas.openxmlformats.org/presentationml/2006/main" xmlns:c="http://schemas.openxmlformats.org/drawingml/2006/chart" xmlns:dgm="http://schemas.openxmlformats.org/drawingml/2006/diagram" xmlns:o="urn:schemas-microsoft-com:office:office" xmlns:v="urn:schemas-microsoft-com:vml" xmlns:pvml="urn:schemas-microsoft-com:office:powerpoint" xmlns:com="http://schemas.openxmlformats.org/drawingml/2006/compatibility" xmlns:p14="http://schemas.microsoft.com/office/powerpoint/2010/main" xmlns:p15="http://schemas.microsoft.com/office/powerpoint/2012/main" xmlns:ahyp="http://schemas.microsoft.com/office/drawing/2018/hyperlinkcolor" autoCompressPictures="0" embedTrueTypeFonts="1" strictFirstAndLastChars="0" saveSubsetFonts="1">
   <p:sldMasterIdLst>
     <p:sldMasterId id="2147483659" r:id="rId4"/>
   </p:sldMasterIdLst>
@@ -281,7 +281,7 @@
 </file>
 
 <file path=ppt/notesMasters/notesMaster1.xml><?xml version="1.0" encoding="utf-8"?>
-<p:notesMaster xmlns:a="http://schemas.openxmlformats.org/drawingml/2006/main" xmlns:r="http://schemas.openxmlformats.org/officeDocument/2006/relationships" xmlns:mc="http://schemas.openxmlformats.org/markup-compatibility/2006" xmlns:mv="urn:schemas-microsoft-com:mac:vml" xmlns:p="http://schemas.openxmlformats.org/presentationml/2006/main" xmlns:c="http://schemas.openxmlformats.org/drawingml/2006/chart" xmlns:dgm="http://schemas.openxmlformats.org/drawingml/2006/diagram" xmlns:o="urn:schemas-microsoft-com:office:office" xmlns:v="urn:schemas-microsoft-com:vml" xmlns:pvml="urn:schemas-microsoft-com:office:powerpoint" xmlns:com="http://schemas.openxmlformats.org/drawingml/2006/compatibility" xmlns:p14="http://schemas.microsoft.com/office/powerpoint/2010/main" xmlns:p15="http://schemas.microsoft.com/office/powerpoint/2012/main">
+<p:notesMaster xmlns:a="http://schemas.openxmlformats.org/drawingml/2006/main" xmlns:r="http://schemas.openxmlformats.org/officeDocument/2006/relationships" xmlns:mc="http://schemas.openxmlformats.org/markup-compatibility/2006" xmlns:mv="urn:schemas-microsoft-com:mac:vml" xmlns:p="http://schemas.openxmlformats.org/presentationml/2006/main" xmlns:c="http://schemas.openxmlformats.org/drawingml/2006/chart" xmlns:dgm="http://schemas.openxmlformats.org/drawingml/2006/diagram" xmlns:o="urn:schemas-microsoft-com:office:office" xmlns:v="urn:schemas-microsoft-com:vml" xmlns:pvml="urn:schemas-microsoft-com:office:powerpoint" xmlns:com="http://schemas.openxmlformats.org/drawingml/2006/compatibility" xmlns:p14="http://schemas.microsoft.com/office/powerpoint/2010/main" xmlns:p15="http://schemas.microsoft.com/office/powerpoint/2012/main" xmlns:ahyp="http://schemas.microsoft.com/office/drawing/2018/hyperlinkcolor">
   <p:cSld>
     <p:spTree>
       <p:nvGrpSpPr>
@@ -707,7 +707,7 @@
 </file>
 
 <file path=ppt/notesSlides/notesSlide1.xml><?xml version="1.0" encoding="utf-8"?>
-<p:notes xmlns:a="http://schemas.openxmlformats.org/drawingml/2006/main" xmlns:r="http://schemas.openxmlformats.org/officeDocument/2006/relationships" xmlns:mc="http://schemas.openxmlformats.org/markup-compatibility/2006" xmlns:mv="urn:schemas-microsoft-com:mac:vml" xmlns:p="http://schemas.openxmlformats.org/presentationml/2006/main" xmlns:c="http://schemas.openxmlformats.org/drawingml/2006/chart" xmlns:dgm="http://schemas.openxmlformats.org/drawingml/2006/diagram" xmlns:o="urn:schemas-microsoft-com:office:office" xmlns:v="urn:schemas-microsoft-com:vml" xmlns:pvml="urn:schemas-microsoft-com:office:powerpoint" xmlns:com="http://schemas.openxmlformats.org/drawingml/2006/compatibility" xmlns:p14="http://schemas.microsoft.com/office/powerpoint/2010/main" xmlns:p15="http://schemas.microsoft.com/office/powerpoint/2012/main" showMasterPhAnim="0" showMasterSp="0">
+<p:notes xmlns:a="http://schemas.openxmlformats.org/drawingml/2006/main" xmlns:r="http://schemas.openxmlformats.org/officeDocument/2006/relationships" xmlns:mc="http://schemas.openxmlformats.org/markup-compatibility/2006" xmlns:mv="urn:schemas-microsoft-com:mac:vml" xmlns:p="http://schemas.openxmlformats.org/presentationml/2006/main" xmlns:c="http://schemas.openxmlformats.org/drawingml/2006/chart" xmlns:dgm="http://schemas.openxmlformats.org/drawingml/2006/diagram" xmlns:o="urn:schemas-microsoft-com:office:office" xmlns:v="urn:schemas-microsoft-com:vml" xmlns:pvml="urn:schemas-microsoft-com:office:powerpoint" xmlns:com="http://schemas.openxmlformats.org/drawingml/2006/compatibility" xmlns:p14="http://schemas.microsoft.com/office/powerpoint/2010/main" xmlns:p15="http://schemas.microsoft.com/office/powerpoint/2012/main" xmlns:ahyp="http://schemas.microsoft.com/office/drawing/2018/hyperlinkcolor" showMasterPhAnim="0" showMasterSp="0">
   <p:cSld>
     <p:spTree>
       <p:nvGrpSpPr>
@@ -806,7 +806,7 @@
 </file>
 
 <file path=ppt/notesSlides/notesSlide10.xml><?xml version="1.0" encoding="utf-8"?>
-<p:notes xmlns:a="http://schemas.openxmlformats.org/drawingml/2006/main" xmlns:r="http://schemas.openxmlformats.org/officeDocument/2006/relationships" xmlns:mc="http://schemas.openxmlformats.org/markup-compatibility/2006" xmlns:mv="urn:schemas-microsoft-com:mac:vml" xmlns:p="http://schemas.openxmlformats.org/presentationml/2006/main" xmlns:c="http://schemas.openxmlformats.org/drawingml/2006/chart" xmlns:dgm="http://schemas.openxmlformats.org/drawingml/2006/diagram" xmlns:o="urn:schemas-microsoft-com:office:office" xmlns:v="urn:schemas-microsoft-com:vml" xmlns:pvml="urn:schemas-microsoft-com:office:powerpoint" xmlns:com="http://schemas.openxmlformats.org/drawingml/2006/compatibility" xmlns:p14="http://schemas.microsoft.com/office/powerpoint/2010/main" xmlns:p15="http://schemas.microsoft.com/office/powerpoint/2012/main" showMasterPhAnim="0" showMasterSp="0">
+<p:notes xmlns:a="http://schemas.openxmlformats.org/drawingml/2006/main" xmlns:r="http://schemas.openxmlformats.org/officeDocument/2006/relationships" xmlns:mc="http://schemas.openxmlformats.org/markup-compatibility/2006" xmlns:mv="urn:schemas-microsoft-com:mac:vml" xmlns:p="http://schemas.openxmlformats.org/presentationml/2006/main" xmlns:c="http://schemas.openxmlformats.org/drawingml/2006/chart" xmlns:dgm="http://schemas.openxmlformats.org/drawingml/2006/diagram" xmlns:o="urn:schemas-microsoft-com:office:office" xmlns:v="urn:schemas-microsoft-com:vml" xmlns:pvml="urn:schemas-microsoft-com:office:powerpoint" xmlns:com="http://schemas.openxmlformats.org/drawingml/2006/compatibility" xmlns:p14="http://schemas.microsoft.com/office/powerpoint/2010/main" xmlns:p15="http://schemas.microsoft.com/office/powerpoint/2012/main" xmlns:ahyp="http://schemas.microsoft.com/office/drawing/2018/hyperlinkcolor" showMasterPhAnim="0" showMasterSp="0">
   <p:cSld>
     <p:spTree>
       <p:nvGrpSpPr>
@@ -905,7 +905,7 @@
 </file>
 
 <file path=ppt/notesSlides/notesSlide2.xml><?xml version="1.0" encoding="utf-8"?>
-<p:notes xmlns:a="http://schemas.openxmlformats.org/drawingml/2006/main" xmlns:r="http://schemas.openxmlformats.org/officeDocument/2006/relationships" xmlns:mc="http://schemas.openxmlformats.org/markup-compatibility/2006" xmlns:mv="urn:schemas-microsoft-com:mac:vml" xmlns:p="http://schemas.openxmlformats.org/presentationml/2006/main" xmlns:c="http://schemas.openxmlformats.org/drawingml/2006/chart" xmlns:dgm="http://schemas.openxmlformats.org/drawingml/2006/diagram" xmlns:o="urn:schemas-microsoft-com:office:office" xmlns:v="urn:schemas-microsoft-com:vml" xmlns:pvml="urn:schemas-microsoft-com:office:powerpoint" xmlns:com="http://schemas.openxmlformats.org/drawingml/2006/compatibility" xmlns:p14="http://schemas.microsoft.com/office/powerpoint/2010/main" xmlns:p15="http://schemas.microsoft.com/office/powerpoint/2012/main" showMasterPhAnim="0" showMasterSp="0">
+<p:notes xmlns:a="http://schemas.openxmlformats.org/drawingml/2006/main" xmlns:r="http://schemas.openxmlformats.org/officeDocument/2006/relationships" xmlns:mc="http://schemas.openxmlformats.org/markup-compatibility/2006" xmlns:mv="urn:schemas-microsoft-com:mac:vml" xmlns:p="http://schemas.openxmlformats.org/presentationml/2006/main" xmlns:c="http://schemas.openxmlformats.org/drawingml/2006/chart" xmlns:dgm="http://schemas.openxmlformats.org/drawingml/2006/diagram" xmlns:o="urn:schemas-microsoft-com:office:office" xmlns:v="urn:schemas-microsoft-com:vml" xmlns:pvml="urn:schemas-microsoft-com:office:powerpoint" xmlns:com="http://schemas.openxmlformats.org/drawingml/2006/compatibility" xmlns:p14="http://schemas.microsoft.com/office/powerpoint/2010/main" xmlns:p15="http://schemas.microsoft.com/office/powerpoint/2012/main" xmlns:ahyp="http://schemas.microsoft.com/office/drawing/2018/hyperlinkcolor" showMasterPhAnim="0" showMasterSp="0">
   <p:cSld>
     <p:spTree>
       <p:nvGrpSpPr>
@@ -1004,7 +1004,7 @@
 </file>
 
 <file path=ppt/notesSlides/notesSlide3.xml><?xml version="1.0" encoding="utf-8"?>
-<p:notes xmlns:a="http://schemas.openxmlformats.org/drawingml/2006/main" xmlns:r="http://schemas.openxmlformats.org/officeDocument/2006/relationships" xmlns:mc="http://schemas.openxmlformats.org/markup-compatibility/2006" xmlns:mv="urn:schemas-microsoft-com:mac:vml" xmlns:p="http://schemas.openxmlformats.org/presentationml/2006/main" xmlns:c="http://schemas.openxmlformats.org/drawingml/2006/chart" xmlns:dgm="http://schemas.openxmlformats.org/drawingml/2006/diagram" xmlns:o="urn:schemas-microsoft-com:office:office" xmlns:v="urn:schemas-microsoft-com:vml" xmlns:pvml="urn:schemas-microsoft-com:office:powerpoint" xmlns:com="http://schemas.openxmlformats.org/drawingml/2006/compatibility" xmlns:p14="http://schemas.microsoft.com/office/powerpoint/2010/main" xmlns:p15="http://schemas.microsoft.com/office/powerpoint/2012/main" showMasterPhAnim="0" showMasterSp="0">
+<p:notes xmlns:a="http://schemas.openxmlformats.org/drawingml/2006/main" xmlns:r="http://schemas.openxmlformats.org/officeDocument/2006/relationships" xmlns:mc="http://schemas.openxmlformats.org/markup-compatibility/2006" xmlns:mv="urn:schemas-microsoft-com:mac:vml" xmlns:p="http://schemas.openxmlformats.org/presentationml/2006/main" xmlns:c="http://schemas.openxmlformats.org/drawingml/2006/chart" xmlns:dgm="http://schemas.openxmlformats.org/drawingml/2006/diagram" xmlns:o="urn:schemas-microsoft-com:office:office" xmlns:v="urn:schemas-microsoft-com:vml" xmlns:pvml="urn:schemas-microsoft-com:office:powerpoint" xmlns:com="http://schemas.openxmlformats.org/drawingml/2006/compatibility" xmlns:p14="http://schemas.microsoft.com/office/powerpoint/2010/main" xmlns:p15="http://schemas.microsoft.com/office/powerpoint/2012/main" xmlns:ahyp="http://schemas.microsoft.com/office/drawing/2018/hyperlinkcolor" showMasterPhAnim="0" showMasterSp="0">
   <p:cSld>
     <p:spTree>
       <p:nvGrpSpPr>
@@ -1103,7 +1103,7 @@
 </file>
 
 <file path=ppt/notesSlides/notesSlide4.xml><?xml version="1.0" encoding="utf-8"?>
-<p:notes xmlns:a="http://schemas.openxmlformats.org/drawingml/2006/main" xmlns:r="http://schemas.openxmlformats.org/officeDocument/2006/relationships" xmlns:mc="http://schemas.openxmlformats.org/markup-compatibility/2006" xmlns:mv="urn:schemas-microsoft-com:mac:vml" xmlns:p="http://schemas.openxmlformats.org/presentationml/2006/main" xmlns:c="http://schemas.openxmlformats.org/drawingml/2006/chart" xmlns:dgm="http://schemas.openxmlformats.org/drawingml/2006/diagram" xmlns:o="urn:schemas-microsoft-com:office:office" xmlns:v="urn:schemas-microsoft-com:vml" xmlns:pvml="urn:schemas-microsoft-com:office:powerpoint" xmlns:com="http://schemas.openxmlformats.org/drawingml/2006/compatibility" xmlns:p14="http://schemas.microsoft.com/office/powerpoint/2010/main" xmlns:p15="http://schemas.microsoft.com/office/powerpoint/2012/main" showMasterPhAnim="0" showMasterSp="0">
+<p:notes xmlns:a="http://schemas.openxmlformats.org/drawingml/2006/main" xmlns:r="http://schemas.openxmlformats.org/officeDocument/2006/relationships" xmlns:mc="http://schemas.openxmlformats.org/markup-compatibility/2006" xmlns:mv="urn:schemas-microsoft-com:mac:vml" xmlns:p="http://schemas.openxmlformats.org/presentationml/2006/main" xmlns:c="http://schemas.openxmlformats.org/drawingml/2006/chart" xmlns:dgm="http://schemas.openxmlformats.org/drawingml/2006/diagram" xmlns:o="urn:schemas-microsoft-com:office:office" xmlns:v="urn:schemas-microsoft-com:vml" xmlns:pvml="urn:schemas-microsoft-com:office:powerpoint" xmlns:com="http://schemas.openxmlformats.org/drawingml/2006/compatibility" xmlns:p14="http://schemas.microsoft.com/office/powerpoint/2010/main" xmlns:p15="http://schemas.microsoft.com/office/powerpoint/2012/main" xmlns:ahyp="http://schemas.microsoft.com/office/drawing/2018/hyperlinkcolor" showMasterPhAnim="0" showMasterSp="0">
   <p:cSld>
     <p:spTree>
       <p:nvGrpSpPr>
@@ -1226,7 +1226,7 @@
 </file>
 
 <file path=ppt/notesSlides/notesSlide5.xml><?xml version="1.0" encoding="utf-8"?>
-<p:notes xmlns:a="http://schemas.openxmlformats.org/drawingml/2006/main" xmlns:r="http://schemas.openxmlformats.org/officeDocument/2006/relationships" xmlns:mc="http://schemas.openxmlformats.org/markup-compatibility/2006" xmlns:mv="urn:schemas-microsoft-com:mac:vml" xmlns:p="http://schemas.openxmlformats.org/presentationml/2006/main" xmlns:c="http://schemas.openxmlformats.org/drawingml/2006/chart" xmlns:dgm="http://schemas.openxmlformats.org/drawingml/2006/diagram" xmlns:o="urn:schemas-microsoft-com:office:office" xmlns:v="urn:schemas-microsoft-com:vml" xmlns:pvml="urn:schemas-microsoft-com:office:powerpoint" xmlns:com="http://schemas.openxmlformats.org/drawingml/2006/compatibility" xmlns:p14="http://schemas.microsoft.com/office/powerpoint/2010/main" xmlns:p15="http://schemas.microsoft.com/office/powerpoint/2012/main" showMasterPhAnim="0" showMasterSp="0">
+<p:notes xmlns:a="http://schemas.openxmlformats.org/drawingml/2006/main" xmlns:r="http://schemas.openxmlformats.org/officeDocument/2006/relationships" xmlns:mc="http://schemas.openxmlformats.org/markup-compatibility/2006" xmlns:mv="urn:schemas-microsoft-com:mac:vml" xmlns:p="http://schemas.openxmlformats.org/presentationml/2006/main" xmlns:c="http://schemas.openxmlformats.org/drawingml/2006/chart" xmlns:dgm="http://schemas.openxmlformats.org/drawingml/2006/diagram" xmlns:o="urn:schemas-microsoft-com:office:office" xmlns:v="urn:schemas-microsoft-com:vml" xmlns:pvml="urn:schemas-microsoft-com:office:powerpoint" xmlns:com="http://schemas.openxmlformats.org/drawingml/2006/compatibility" xmlns:p14="http://schemas.microsoft.com/office/powerpoint/2010/main" xmlns:p15="http://schemas.microsoft.com/office/powerpoint/2012/main" xmlns:ahyp="http://schemas.microsoft.com/office/drawing/2018/hyperlinkcolor" showMasterPhAnim="0" showMasterSp="0">
   <p:cSld>
     <p:spTree>
       <p:nvGrpSpPr>
@@ -1354,7 +1354,7 @@
 </file>
 
 <file path=ppt/notesSlides/notesSlide6.xml><?xml version="1.0" encoding="utf-8"?>
-<p:notes xmlns:a="http://schemas.openxmlformats.org/drawingml/2006/main" xmlns:r="http://schemas.openxmlformats.org/officeDocument/2006/relationships" xmlns:mc="http://schemas.openxmlformats.org/markup-compatibility/2006" xmlns:mv="urn:schemas-microsoft-com:mac:vml" xmlns:p="http://schemas.openxmlformats.org/presentationml/2006/main" xmlns:c="http://schemas.openxmlformats.org/drawingml/2006/chart" xmlns:dgm="http://schemas.openxmlformats.org/drawingml/2006/diagram" xmlns:o="urn:schemas-microsoft-com:office:office" xmlns:v="urn:schemas-microsoft-com:vml" xmlns:pvml="urn:schemas-microsoft-com:office:powerpoint" xmlns:com="http://schemas.openxmlformats.org/drawingml/2006/compatibility" xmlns:p14="http://schemas.microsoft.com/office/powerpoint/2010/main" xmlns:p15="http://schemas.microsoft.com/office/powerpoint/2012/main" showMasterPhAnim="0" showMasterSp="0">
+<p:notes xmlns:a="http://schemas.openxmlformats.org/drawingml/2006/main" xmlns:r="http://schemas.openxmlformats.org/officeDocument/2006/relationships" xmlns:mc="http://schemas.openxmlformats.org/markup-compatibility/2006" xmlns:mv="urn:schemas-microsoft-com:mac:vml" xmlns:p="http://schemas.openxmlformats.org/presentationml/2006/main" xmlns:c="http://schemas.openxmlformats.org/drawingml/2006/chart" xmlns:dgm="http://schemas.openxmlformats.org/drawingml/2006/diagram" xmlns:o="urn:schemas-microsoft-com:office:office" xmlns:v="urn:schemas-microsoft-com:vml" xmlns:pvml="urn:schemas-microsoft-com:office:powerpoint" xmlns:com="http://schemas.openxmlformats.org/drawingml/2006/compatibility" xmlns:p14="http://schemas.microsoft.com/office/powerpoint/2010/main" xmlns:p15="http://schemas.microsoft.com/office/powerpoint/2012/main" xmlns:ahyp="http://schemas.microsoft.com/office/drawing/2018/hyperlinkcolor" showMasterPhAnim="0" showMasterSp="0">
   <p:cSld>
     <p:spTree>
       <p:nvGrpSpPr>
@@ -1486,7 +1486,7 @@
 </file>
 
 <file path=ppt/notesSlides/notesSlide7.xml><?xml version="1.0" encoding="utf-8"?>
-<p:notes xmlns:a="http://schemas.openxmlformats.org/drawingml/2006/main" xmlns:r="http://schemas.openxmlformats.org/officeDocument/2006/relationships" xmlns:mc="http://schemas.openxmlformats.org/markup-compatibility/2006" xmlns:mv="urn:schemas-microsoft-com:mac:vml" xmlns:p="http://schemas.openxmlformats.org/presentationml/2006/main" xmlns:c="http://schemas.openxmlformats.org/drawingml/2006/chart" xmlns:dgm="http://schemas.openxmlformats.org/drawingml/2006/diagram" xmlns:o="urn:schemas-microsoft-com:office:office" xmlns:v="urn:schemas-microsoft-com:vml" xmlns:pvml="urn:schemas-microsoft-com:office:powerpoint" xmlns:com="http://schemas.openxmlformats.org/drawingml/2006/compatibility" xmlns:p14="http://schemas.microsoft.com/office/powerpoint/2010/main" xmlns:p15="http://schemas.microsoft.com/office/powerpoint/2012/main" showMasterPhAnim="0" showMasterSp="0">
+<p:notes xmlns:a="http://schemas.openxmlformats.org/drawingml/2006/main" xmlns:r="http://schemas.openxmlformats.org/officeDocument/2006/relationships" xmlns:mc="http://schemas.openxmlformats.org/markup-compatibility/2006" xmlns:mv="urn:schemas-microsoft-com:mac:vml" xmlns:p="http://schemas.openxmlformats.org/presentationml/2006/main" xmlns:c="http://schemas.openxmlformats.org/drawingml/2006/chart" xmlns:dgm="http://schemas.openxmlformats.org/drawingml/2006/diagram" xmlns:o="urn:schemas-microsoft-com:office:office" xmlns:v="urn:schemas-microsoft-com:vml" xmlns:pvml="urn:schemas-microsoft-com:office:powerpoint" xmlns:com="http://schemas.openxmlformats.org/drawingml/2006/compatibility" xmlns:p14="http://schemas.microsoft.com/office/powerpoint/2010/main" xmlns:p15="http://schemas.microsoft.com/office/powerpoint/2012/main" xmlns:ahyp="http://schemas.microsoft.com/office/drawing/2018/hyperlinkcolor" showMasterPhAnim="0" showMasterSp="0">
   <p:cSld>
     <p:spTree>
       <p:nvGrpSpPr>
@@ -1585,7 +1585,7 @@
 </file>
 
 <file path=ppt/notesSlides/notesSlide8.xml><?xml version="1.0" encoding="utf-8"?>
-<p:notes xmlns:a="http://schemas.openxmlformats.org/drawingml/2006/main" xmlns:r="http://schemas.openxmlformats.org/officeDocument/2006/relationships" xmlns:mc="http://schemas.openxmlformats.org/markup-compatibility/2006" xmlns:mv="urn:schemas-microsoft-com:mac:vml" xmlns:p="http://schemas.openxmlformats.org/presentationml/2006/main" xmlns:c="http://schemas.openxmlformats.org/drawingml/2006/chart" xmlns:dgm="http://schemas.openxmlformats.org/drawingml/2006/diagram" xmlns:o="urn:schemas-microsoft-com:office:office" xmlns:v="urn:schemas-microsoft-com:vml" xmlns:pvml="urn:schemas-microsoft-com:office:powerpoint" xmlns:com="http://schemas.openxmlformats.org/drawingml/2006/compatibility" xmlns:p14="http://schemas.microsoft.com/office/powerpoint/2010/main" xmlns:p15="http://schemas.microsoft.com/office/powerpoint/2012/main" showMasterPhAnim="0" showMasterSp="0">
+<p:notes xmlns:a="http://schemas.openxmlformats.org/drawingml/2006/main" xmlns:r="http://schemas.openxmlformats.org/officeDocument/2006/relationships" xmlns:mc="http://schemas.openxmlformats.org/markup-compatibility/2006" xmlns:mv="urn:schemas-microsoft-com:mac:vml" xmlns:p="http://schemas.openxmlformats.org/presentationml/2006/main" xmlns:c="http://schemas.openxmlformats.org/drawingml/2006/chart" xmlns:dgm="http://schemas.openxmlformats.org/drawingml/2006/diagram" xmlns:o="urn:schemas-microsoft-com:office:office" xmlns:v="urn:schemas-microsoft-com:vml" xmlns:pvml="urn:schemas-microsoft-com:office:powerpoint" xmlns:com="http://schemas.openxmlformats.org/drawingml/2006/compatibility" xmlns:p14="http://schemas.microsoft.com/office/powerpoint/2010/main" xmlns:p15="http://schemas.microsoft.com/office/powerpoint/2012/main" xmlns:ahyp="http://schemas.microsoft.com/office/drawing/2018/hyperlinkcolor" showMasterPhAnim="0" showMasterSp="0">
   <p:cSld>
     <p:spTree>
       <p:nvGrpSpPr>
@@ -1684,7 +1684,7 @@
 </file>
 
 <file path=ppt/notesSlides/notesSlide9.xml><?xml version="1.0" encoding="utf-8"?>
-<p:notes xmlns:a="http://schemas.openxmlformats.org/drawingml/2006/main" xmlns:r="http://schemas.openxmlformats.org/officeDocument/2006/relationships" xmlns:mc="http://schemas.openxmlformats.org/markup-compatibility/2006" xmlns:mv="urn:schemas-microsoft-com:mac:vml" xmlns:p="http://schemas.openxmlformats.org/presentationml/2006/main" xmlns:c="http://schemas.openxmlformats.org/drawingml/2006/chart" xmlns:dgm="http://schemas.openxmlformats.org/drawingml/2006/diagram" xmlns:o="urn:schemas-microsoft-com:office:office" xmlns:v="urn:schemas-microsoft-com:vml" xmlns:pvml="urn:schemas-microsoft-com:office:powerpoint" xmlns:com="http://schemas.openxmlformats.org/drawingml/2006/compatibility" xmlns:p14="http://schemas.microsoft.com/office/powerpoint/2010/main" xmlns:p15="http://schemas.microsoft.com/office/powerpoint/2012/main" showMasterPhAnim="0" showMasterSp="0">
+<p:notes xmlns:a="http://schemas.openxmlformats.org/drawingml/2006/main" xmlns:r="http://schemas.openxmlformats.org/officeDocument/2006/relationships" xmlns:mc="http://schemas.openxmlformats.org/markup-compatibility/2006" xmlns:mv="urn:schemas-microsoft-com:mac:vml" xmlns:p="http://schemas.openxmlformats.org/presentationml/2006/main" xmlns:c="http://schemas.openxmlformats.org/drawingml/2006/chart" xmlns:dgm="http://schemas.openxmlformats.org/drawingml/2006/diagram" xmlns:o="urn:schemas-microsoft-com:office:office" xmlns:v="urn:schemas-microsoft-com:vml" xmlns:pvml="urn:schemas-microsoft-com:office:powerpoint" xmlns:com="http://schemas.openxmlformats.org/drawingml/2006/compatibility" xmlns:p14="http://schemas.microsoft.com/office/powerpoint/2010/main" xmlns:p15="http://schemas.microsoft.com/office/powerpoint/2012/main" xmlns:ahyp="http://schemas.microsoft.com/office/drawing/2018/hyperlinkcolor" showMasterPhAnim="0" showMasterSp="0">
   <p:cSld>
     <p:spTree>
       <p:nvGrpSpPr>
@@ -1783,7 +1783,7 @@
 </file>
 
 <file path=ppt/slideLayouts/slideLayout1.xml><?xml version="1.0" encoding="utf-8"?>
-<p:sldLayout xmlns:a="http://schemas.openxmlformats.org/drawingml/2006/main" xmlns:r="http://schemas.openxmlformats.org/officeDocument/2006/relationships" xmlns:mc="http://schemas.openxmlformats.org/markup-compatibility/2006" xmlns:mv="urn:schemas-microsoft-com:mac:vml" xmlns:p="http://schemas.openxmlformats.org/presentationml/2006/main" xmlns:c="http://schemas.openxmlformats.org/drawingml/2006/chart" xmlns:dgm="http://schemas.openxmlformats.org/drawingml/2006/diagram" xmlns:o="urn:schemas-microsoft-com:office:office" xmlns:v="urn:schemas-microsoft-com:vml" xmlns:pvml="urn:schemas-microsoft-com:office:powerpoint" xmlns:com="http://schemas.openxmlformats.org/drawingml/2006/compatibility" xmlns:p14="http://schemas.microsoft.com/office/powerpoint/2010/main" xmlns:p15="http://schemas.microsoft.com/office/powerpoint/2012/main" matchingName="Title slide" type="title">
+<p:sldLayout xmlns:a="http://schemas.openxmlformats.org/drawingml/2006/main" xmlns:r="http://schemas.openxmlformats.org/officeDocument/2006/relationships" xmlns:mc="http://schemas.openxmlformats.org/markup-compatibility/2006" xmlns:mv="urn:schemas-microsoft-com:mac:vml" xmlns:p="http://schemas.openxmlformats.org/presentationml/2006/main" xmlns:c="http://schemas.openxmlformats.org/drawingml/2006/chart" xmlns:dgm="http://schemas.openxmlformats.org/drawingml/2006/diagram" xmlns:o="urn:schemas-microsoft-com:office:office" xmlns:v="urn:schemas-microsoft-com:vml" xmlns:pvml="urn:schemas-microsoft-com:office:powerpoint" xmlns:com="http://schemas.openxmlformats.org/drawingml/2006/compatibility" xmlns:p14="http://schemas.microsoft.com/office/powerpoint/2010/main" xmlns:p15="http://schemas.microsoft.com/office/powerpoint/2012/main" xmlns:ahyp="http://schemas.microsoft.com/office/drawing/2018/hyperlinkcolor" matchingName="Title slide" type="title">
   <p:cSld name="TITLE">
     <p:spTree>
       <p:nvGrpSpPr>
@@ -2306,7 +2306,7 @@
 </file>
 
 <file path=ppt/slideLayouts/slideLayout10.xml><?xml version="1.0" encoding="utf-8"?>
-<p:sldLayout xmlns:a="http://schemas.openxmlformats.org/drawingml/2006/main" xmlns:r="http://schemas.openxmlformats.org/officeDocument/2006/relationships" xmlns:mc="http://schemas.openxmlformats.org/markup-compatibility/2006" xmlns:mv="urn:schemas-microsoft-com:mac:vml" xmlns:p="http://schemas.openxmlformats.org/presentationml/2006/main" xmlns:c="http://schemas.openxmlformats.org/drawingml/2006/chart" xmlns:dgm="http://schemas.openxmlformats.org/drawingml/2006/diagram" xmlns:o="urn:schemas-microsoft-com:office:office" xmlns:v="urn:schemas-microsoft-com:vml" xmlns:pvml="urn:schemas-microsoft-com:office:powerpoint" xmlns:com="http://schemas.openxmlformats.org/drawingml/2006/compatibility" xmlns:p14="http://schemas.microsoft.com/office/powerpoint/2010/main" xmlns:p15="http://schemas.microsoft.com/office/powerpoint/2012/main" matchingName="Big number">
+<p:sldLayout xmlns:a="http://schemas.openxmlformats.org/drawingml/2006/main" xmlns:r="http://schemas.openxmlformats.org/officeDocument/2006/relationships" xmlns:mc="http://schemas.openxmlformats.org/markup-compatibility/2006" xmlns:mv="urn:schemas-microsoft-com:mac:vml" xmlns:p="http://schemas.openxmlformats.org/presentationml/2006/main" xmlns:c="http://schemas.openxmlformats.org/drawingml/2006/chart" xmlns:dgm="http://schemas.openxmlformats.org/drawingml/2006/diagram" xmlns:o="urn:schemas-microsoft-com:office:office" xmlns:v="urn:schemas-microsoft-com:vml" xmlns:pvml="urn:schemas-microsoft-com:office:powerpoint" xmlns:com="http://schemas.openxmlformats.org/drawingml/2006/compatibility" xmlns:p14="http://schemas.microsoft.com/office/powerpoint/2010/main" xmlns:p15="http://schemas.microsoft.com/office/powerpoint/2012/main" xmlns:ahyp="http://schemas.microsoft.com/office/drawing/2018/hyperlinkcolor" matchingName="Big number">
   <p:cSld name="BIG_NUMBER">
     <p:spTree>
       <p:nvGrpSpPr>
@@ -2662,7 +2662,7 @@
 </file>
 
 <file path=ppt/slideLayouts/slideLayout11.xml><?xml version="1.0" encoding="utf-8"?>
-<p:sldLayout xmlns:a="http://schemas.openxmlformats.org/drawingml/2006/main" xmlns:r="http://schemas.openxmlformats.org/officeDocument/2006/relationships" xmlns:mc="http://schemas.openxmlformats.org/markup-compatibility/2006" xmlns:mv="urn:schemas-microsoft-com:mac:vml" xmlns:p="http://schemas.openxmlformats.org/presentationml/2006/main" xmlns:c="http://schemas.openxmlformats.org/drawingml/2006/chart" xmlns:dgm="http://schemas.openxmlformats.org/drawingml/2006/diagram" xmlns:o="urn:schemas-microsoft-com:office:office" xmlns:v="urn:schemas-microsoft-com:vml" xmlns:pvml="urn:schemas-microsoft-com:office:powerpoint" xmlns:com="http://schemas.openxmlformats.org/drawingml/2006/compatibility" xmlns:p14="http://schemas.microsoft.com/office/powerpoint/2010/main" xmlns:p15="http://schemas.microsoft.com/office/powerpoint/2012/main" matchingName="Blank" type="blank">
+<p:sldLayout xmlns:a="http://schemas.openxmlformats.org/drawingml/2006/main" xmlns:r="http://schemas.openxmlformats.org/officeDocument/2006/relationships" xmlns:mc="http://schemas.openxmlformats.org/markup-compatibility/2006" xmlns:mv="urn:schemas-microsoft-com:mac:vml" xmlns:p="http://schemas.openxmlformats.org/presentationml/2006/main" xmlns:c="http://schemas.openxmlformats.org/drawingml/2006/chart" xmlns:dgm="http://schemas.openxmlformats.org/drawingml/2006/diagram" xmlns:o="urn:schemas-microsoft-com:office:office" xmlns:v="urn:schemas-microsoft-com:vml" xmlns:pvml="urn:schemas-microsoft-com:office:powerpoint" xmlns:com="http://schemas.openxmlformats.org/drawingml/2006/compatibility" xmlns:p14="http://schemas.microsoft.com/office/powerpoint/2010/main" xmlns:p15="http://schemas.microsoft.com/office/powerpoint/2012/main" xmlns:ahyp="http://schemas.microsoft.com/office/drawing/2018/hyperlinkcolor" matchingName="Blank" type="blank">
   <p:cSld name="BLANK">
     <p:spTree>
       <p:nvGrpSpPr>
@@ -2764,7 +2764,7 @@
 </file>
 
 <file path=ppt/slideLayouts/slideLayout2.xml><?xml version="1.0" encoding="utf-8"?>
-<p:sldLayout xmlns:a="http://schemas.openxmlformats.org/drawingml/2006/main" xmlns:r="http://schemas.openxmlformats.org/officeDocument/2006/relationships" xmlns:mc="http://schemas.openxmlformats.org/markup-compatibility/2006" xmlns:mv="urn:schemas-microsoft-com:mac:vml" xmlns:p="http://schemas.openxmlformats.org/presentationml/2006/main" xmlns:c="http://schemas.openxmlformats.org/drawingml/2006/chart" xmlns:dgm="http://schemas.openxmlformats.org/drawingml/2006/diagram" xmlns:o="urn:schemas-microsoft-com:office:office" xmlns:v="urn:schemas-microsoft-com:vml" xmlns:pvml="urn:schemas-microsoft-com:office:powerpoint" xmlns:com="http://schemas.openxmlformats.org/drawingml/2006/compatibility" xmlns:p14="http://schemas.microsoft.com/office/powerpoint/2010/main" xmlns:p15="http://schemas.microsoft.com/office/powerpoint/2012/main" matchingName="Section header" type="secHead">
+<p:sldLayout xmlns:a="http://schemas.openxmlformats.org/drawingml/2006/main" xmlns:r="http://schemas.openxmlformats.org/officeDocument/2006/relationships" xmlns:mc="http://schemas.openxmlformats.org/markup-compatibility/2006" xmlns:mv="urn:schemas-microsoft-com:mac:vml" xmlns:p="http://schemas.openxmlformats.org/presentationml/2006/main" xmlns:c="http://schemas.openxmlformats.org/drawingml/2006/chart" xmlns:dgm="http://schemas.openxmlformats.org/drawingml/2006/diagram" xmlns:o="urn:schemas-microsoft-com:office:office" xmlns:v="urn:schemas-microsoft-com:vml" xmlns:pvml="urn:schemas-microsoft-com:office:powerpoint" xmlns:com="http://schemas.openxmlformats.org/drawingml/2006/compatibility" xmlns:p14="http://schemas.microsoft.com/office/powerpoint/2010/main" xmlns:p15="http://schemas.microsoft.com/office/powerpoint/2012/main" xmlns:ahyp="http://schemas.microsoft.com/office/drawing/2018/hyperlinkcolor" matchingName="Section header" type="secHead">
   <p:cSld name="SECTION_HEADER">
     <p:spTree>
       <p:nvGrpSpPr>
@@ -2991,7 +2991,7 @@
 </file>
 
 <file path=ppt/slideLayouts/slideLayout3.xml><?xml version="1.0" encoding="utf-8"?>
-<p:sldLayout xmlns:a="http://schemas.openxmlformats.org/drawingml/2006/main" xmlns:r="http://schemas.openxmlformats.org/officeDocument/2006/relationships" xmlns:mc="http://schemas.openxmlformats.org/markup-compatibility/2006" xmlns:mv="urn:schemas-microsoft-com:mac:vml" xmlns:p="http://schemas.openxmlformats.org/presentationml/2006/main" xmlns:c="http://schemas.openxmlformats.org/drawingml/2006/chart" xmlns:dgm="http://schemas.openxmlformats.org/drawingml/2006/diagram" xmlns:o="urn:schemas-microsoft-com:office:office" xmlns:v="urn:schemas-microsoft-com:vml" xmlns:pvml="urn:schemas-microsoft-com:office:powerpoint" xmlns:com="http://schemas.openxmlformats.org/drawingml/2006/compatibility" xmlns:p14="http://schemas.microsoft.com/office/powerpoint/2010/main" xmlns:p15="http://schemas.microsoft.com/office/powerpoint/2012/main" matchingName="Title and body" type="tx">
+<p:sldLayout xmlns:a="http://schemas.openxmlformats.org/drawingml/2006/main" xmlns:r="http://schemas.openxmlformats.org/officeDocument/2006/relationships" xmlns:mc="http://schemas.openxmlformats.org/markup-compatibility/2006" xmlns:mv="urn:schemas-microsoft-com:mac:vml" xmlns:p="http://schemas.openxmlformats.org/presentationml/2006/main" xmlns:c="http://schemas.openxmlformats.org/drawingml/2006/chart" xmlns:dgm="http://schemas.openxmlformats.org/drawingml/2006/diagram" xmlns:o="urn:schemas-microsoft-com:office:office" xmlns:v="urn:schemas-microsoft-com:vml" xmlns:pvml="urn:schemas-microsoft-com:office:powerpoint" xmlns:com="http://schemas.openxmlformats.org/drawingml/2006/compatibility" xmlns:p14="http://schemas.microsoft.com/office/powerpoint/2010/main" xmlns:p15="http://schemas.microsoft.com/office/powerpoint/2012/main" xmlns:ahyp="http://schemas.microsoft.com/office/drawing/2018/hyperlinkcolor" matchingName="Title and body" type="tx">
   <p:cSld name="TITLE_AND_BODY">
     <p:spTree>
       <p:nvGrpSpPr>
@@ -3343,7 +3343,7 @@
 </file>
 
 <file path=ppt/slideLayouts/slideLayout4.xml><?xml version="1.0" encoding="utf-8"?>
-<p:sldLayout xmlns:a="http://schemas.openxmlformats.org/drawingml/2006/main" xmlns:r="http://schemas.openxmlformats.org/officeDocument/2006/relationships" xmlns:mc="http://schemas.openxmlformats.org/markup-compatibility/2006" xmlns:mv="urn:schemas-microsoft-com:mac:vml" xmlns:p="http://schemas.openxmlformats.org/presentationml/2006/main" xmlns:c="http://schemas.openxmlformats.org/drawingml/2006/chart" xmlns:dgm="http://schemas.openxmlformats.org/drawingml/2006/diagram" xmlns:o="urn:schemas-microsoft-com:office:office" xmlns:v="urn:schemas-microsoft-com:vml" xmlns:pvml="urn:schemas-microsoft-com:office:powerpoint" xmlns:com="http://schemas.openxmlformats.org/drawingml/2006/compatibility" xmlns:p14="http://schemas.microsoft.com/office/powerpoint/2010/main" xmlns:p15="http://schemas.microsoft.com/office/powerpoint/2012/main" matchingName="Title and two columns" type="twoColTx">
+<p:sldLayout xmlns:a="http://schemas.openxmlformats.org/drawingml/2006/main" xmlns:r="http://schemas.openxmlformats.org/officeDocument/2006/relationships" xmlns:mc="http://schemas.openxmlformats.org/markup-compatibility/2006" xmlns:mv="urn:schemas-microsoft-com:mac:vml" xmlns:p="http://schemas.openxmlformats.org/presentationml/2006/main" xmlns:c="http://schemas.openxmlformats.org/drawingml/2006/chart" xmlns:dgm="http://schemas.openxmlformats.org/drawingml/2006/diagram" xmlns:o="urn:schemas-microsoft-com:office:office" xmlns:v="urn:schemas-microsoft-com:vml" xmlns:pvml="urn:schemas-microsoft-com:office:powerpoint" xmlns:com="http://schemas.openxmlformats.org/drawingml/2006/compatibility" xmlns:p14="http://schemas.microsoft.com/office/powerpoint/2010/main" xmlns:p15="http://schemas.microsoft.com/office/powerpoint/2012/main" xmlns:ahyp="http://schemas.microsoft.com/office/drawing/2018/hyperlinkcolor" matchingName="Title and two columns" type="twoColTx">
   <p:cSld name="TITLE_AND_TWO_COLUMNS">
     <p:spTree>
       <p:nvGrpSpPr>
@@ -3820,7 +3820,7 @@
 </file>
 
 <file path=ppt/slideLayouts/slideLayout5.xml><?xml version="1.0" encoding="utf-8"?>
-<p:sldLayout xmlns:a="http://schemas.openxmlformats.org/drawingml/2006/main" xmlns:r="http://schemas.openxmlformats.org/officeDocument/2006/relationships" xmlns:mc="http://schemas.openxmlformats.org/markup-compatibility/2006" xmlns:mv="urn:schemas-microsoft-com:mac:vml" xmlns:p="http://schemas.openxmlformats.org/presentationml/2006/main" xmlns:c="http://schemas.openxmlformats.org/drawingml/2006/chart" xmlns:dgm="http://schemas.openxmlformats.org/drawingml/2006/diagram" xmlns:o="urn:schemas-microsoft-com:office:office" xmlns:v="urn:schemas-microsoft-com:vml" xmlns:pvml="urn:schemas-microsoft-com:office:powerpoint" xmlns:com="http://schemas.openxmlformats.org/drawingml/2006/compatibility" xmlns:p14="http://schemas.microsoft.com/office/powerpoint/2010/main" xmlns:p15="http://schemas.microsoft.com/office/powerpoint/2012/main" matchingName="Title only" type="titleOnly">
+<p:sldLayout xmlns:a="http://schemas.openxmlformats.org/drawingml/2006/main" xmlns:r="http://schemas.openxmlformats.org/officeDocument/2006/relationships" xmlns:mc="http://schemas.openxmlformats.org/markup-compatibility/2006" xmlns:mv="urn:schemas-microsoft-com:mac:vml" xmlns:p="http://schemas.openxmlformats.org/presentationml/2006/main" xmlns:c="http://schemas.openxmlformats.org/drawingml/2006/chart" xmlns:dgm="http://schemas.openxmlformats.org/drawingml/2006/diagram" xmlns:o="urn:schemas-microsoft-com:office:office" xmlns:v="urn:schemas-microsoft-com:vml" xmlns:pvml="urn:schemas-microsoft-com:office:powerpoint" xmlns:com="http://schemas.openxmlformats.org/drawingml/2006/compatibility" xmlns:p14="http://schemas.microsoft.com/office/powerpoint/2010/main" xmlns:p15="http://schemas.microsoft.com/office/powerpoint/2012/main" xmlns:ahyp="http://schemas.microsoft.com/office/drawing/2018/hyperlinkcolor" matchingName="Title only" type="titleOnly">
   <p:cSld name="TITLE_ONLY">
     <p:spTree>
       <p:nvGrpSpPr>
@@ -4047,7 +4047,7 @@
 </file>
 
 <file path=ppt/slideLayouts/slideLayout6.xml><?xml version="1.0" encoding="utf-8"?>
-<p:sldLayout xmlns:a="http://schemas.openxmlformats.org/drawingml/2006/main" xmlns:r="http://schemas.openxmlformats.org/officeDocument/2006/relationships" xmlns:mc="http://schemas.openxmlformats.org/markup-compatibility/2006" xmlns:mv="urn:schemas-microsoft-com:mac:vml" xmlns:p="http://schemas.openxmlformats.org/presentationml/2006/main" xmlns:c="http://schemas.openxmlformats.org/drawingml/2006/chart" xmlns:dgm="http://schemas.openxmlformats.org/drawingml/2006/diagram" xmlns:o="urn:schemas-microsoft-com:office:office" xmlns:v="urn:schemas-microsoft-com:vml" xmlns:pvml="urn:schemas-microsoft-com:office:powerpoint" xmlns:com="http://schemas.openxmlformats.org/drawingml/2006/compatibility" xmlns:p14="http://schemas.microsoft.com/office/powerpoint/2010/main" xmlns:p15="http://schemas.microsoft.com/office/powerpoint/2012/main" matchingName="One column text">
+<p:sldLayout xmlns:a="http://schemas.openxmlformats.org/drawingml/2006/main" xmlns:r="http://schemas.openxmlformats.org/officeDocument/2006/relationships" xmlns:mc="http://schemas.openxmlformats.org/markup-compatibility/2006" xmlns:mv="urn:schemas-microsoft-com:mac:vml" xmlns:p="http://schemas.openxmlformats.org/presentationml/2006/main" xmlns:c="http://schemas.openxmlformats.org/drawingml/2006/chart" xmlns:dgm="http://schemas.openxmlformats.org/drawingml/2006/diagram" xmlns:o="urn:schemas-microsoft-com:office:office" xmlns:v="urn:schemas-microsoft-com:vml" xmlns:pvml="urn:schemas-microsoft-com:office:powerpoint" xmlns:com="http://schemas.openxmlformats.org/drawingml/2006/compatibility" xmlns:p14="http://schemas.microsoft.com/office/powerpoint/2010/main" xmlns:p15="http://schemas.microsoft.com/office/powerpoint/2012/main" xmlns:ahyp="http://schemas.microsoft.com/office/drawing/2018/hyperlinkcolor" matchingName="One column text">
   <p:cSld name="ONE_COLUMN_TEXT">
     <p:spTree>
       <p:nvGrpSpPr>
@@ -4399,7 +4399,7 @@
 </file>
 
 <file path=ppt/slideLayouts/slideLayout7.xml><?xml version="1.0" encoding="utf-8"?>
-<p:sldLayout xmlns:a="http://schemas.openxmlformats.org/drawingml/2006/main" xmlns:r="http://schemas.openxmlformats.org/officeDocument/2006/relationships" xmlns:mc="http://schemas.openxmlformats.org/markup-compatibility/2006" xmlns:mv="urn:schemas-microsoft-com:mac:vml" xmlns:p="http://schemas.openxmlformats.org/presentationml/2006/main" xmlns:c="http://schemas.openxmlformats.org/drawingml/2006/chart" xmlns:dgm="http://schemas.openxmlformats.org/drawingml/2006/diagram" xmlns:o="urn:schemas-microsoft-com:office:office" xmlns:v="urn:schemas-microsoft-com:vml" xmlns:pvml="urn:schemas-microsoft-com:office:powerpoint" xmlns:com="http://schemas.openxmlformats.org/drawingml/2006/compatibility" xmlns:p14="http://schemas.microsoft.com/office/powerpoint/2010/main" xmlns:p15="http://schemas.microsoft.com/office/powerpoint/2012/main" matchingName="Main point">
+<p:sldLayout xmlns:a="http://schemas.openxmlformats.org/drawingml/2006/main" xmlns:r="http://schemas.openxmlformats.org/officeDocument/2006/relationships" xmlns:mc="http://schemas.openxmlformats.org/markup-compatibility/2006" xmlns:mv="urn:schemas-microsoft-com:mac:vml" xmlns:p="http://schemas.openxmlformats.org/presentationml/2006/main" xmlns:c="http://schemas.openxmlformats.org/drawingml/2006/chart" xmlns:dgm="http://schemas.openxmlformats.org/drawingml/2006/diagram" xmlns:o="urn:schemas-microsoft-com:office:office" xmlns:v="urn:schemas-microsoft-com:vml" xmlns:pvml="urn:schemas-microsoft-com:office:powerpoint" xmlns:com="http://schemas.openxmlformats.org/drawingml/2006/compatibility" xmlns:p14="http://schemas.microsoft.com/office/powerpoint/2010/main" xmlns:p15="http://schemas.microsoft.com/office/powerpoint/2012/main" xmlns:ahyp="http://schemas.microsoft.com/office/drawing/2018/hyperlinkcolor" matchingName="Main point">
   <p:cSld name="MAIN_POINT">
     <p:bg>
       <p:bgPr>
@@ -4732,7 +4732,7 @@
 </file>
 
 <file path=ppt/slideLayouts/slideLayout8.xml><?xml version="1.0" encoding="utf-8"?>
-<p:sldLayout xmlns:a="http://schemas.openxmlformats.org/drawingml/2006/main" xmlns:r="http://schemas.openxmlformats.org/officeDocument/2006/relationships" xmlns:mc="http://schemas.openxmlformats.org/markup-compatibility/2006" xmlns:mv="urn:schemas-microsoft-com:mac:vml" xmlns:p="http://schemas.openxmlformats.org/presentationml/2006/main" xmlns:c="http://schemas.openxmlformats.org/drawingml/2006/chart" xmlns:dgm="http://schemas.openxmlformats.org/drawingml/2006/diagram" xmlns:o="urn:schemas-microsoft-com:office:office" xmlns:v="urn:schemas-microsoft-com:vml" xmlns:pvml="urn:schemas-microsoft-com:office:powerpoint" xmlns:com="http://schemas.openxmlformats.org/drawingml/2006/compatibility" xmlns:p14="http://schemas.microsoft.com/office/powerpoint/2010/main" xmlns:p15="http://schemas.microsoft.com/office/powerpoint/2012/main" matchingName="Section title and description">
+<p:sldLayout xmlns:a="http://schemas.openxmlformats.org/drawingml/2006/main" xmlns:r="http://schemas.openxmlformats.org/officeDocument/2006/relationships" xmlns:mc="http://schemas.openxmlformats.org/markup-compatibility/2006" xmlns:mv="urn:schemas-microsoft-com:mac:vml" xmlns:p="http://schemas.openxmlformats.org/presentationml/2006/main" xmlns:c="http://schemas.openxmlformats.org/drawingml/2006/chart" xmlns:dgm="http://schemas.openxmlformats.org/drawingml/2006/diagram" xmlns:o="urn:schemas-microsoft-com:office:office" xmlns:v="urn:schemas-microsoft-com:vml" xmlns:pvml="urn:schemas-microsoft-com:office:powerpoint" xmlns:com="http://schemas.openxmlformats.org/drawingml/2006/compatibility" xmlns:p14="http://schemas.microsoft.com/office/powerpoint/2010/main" xmlns:p15="http://schemas.microsoft.com/office/powerpoint/2012/main" xmlns:ahyp="http://schemas.microsoft.com/office/drawing/2018/hyperlinkcolor" matchingName="Section title and description">
   <p:cSld name="SECTION_TITLE_AND_DESCRIPTION">
     <p:spTree>
       <p:nvGrpSpPr>
@@ -5467,7 +5467,7 @@
 </file>
 
 <file path=ppt/slideLayouts/slideLayout9.xml><?xml version="1.0" encoding="utf-8"?>
-<p:sldLayout xmlns:a="http://schemas.openxmlformats.org/drawingml/2006/main" xmlns:r="http://schemas.openxmlformats.org/officeDocument/2006/relationships" xmlns:mc="http://schemas.openxmlformats.org/markup-compatibility/2006" xmlns:mv="urn:schemas-microsoft-com:mac:vml" xmlns:p="http://schemas.openxmlformats.org/presentationml/2006/main" xmlns:c="http://schemas.openxmlformats.org/drawingml/2006/chart" xmlns:dgm="http://schemas.openxmlformats.org/drawingml/2006/diagram" xmlns:o="urn:schemas-microsoft-com:office:office" xmlns:v="urn:schemas-microsoft-com:vml" xmlns:pvml="urn:schemas-microsoft-com:office:powerpoint" xmlns:com="http://schemas.openxmlformats.org/drawingml/2006/compatibility" xmlns:p14="http://schemas.microsoft.com/office/powerpoint/2010/main" xmlns:p15="http://schemas.microsoft.com/office/powerpoint/2012/main" matchingName="Caption">
+<p:sldLayout xmlns:a="http://schemas.openxmlformats.org/drawingml/2006/main" xmlns:r="http://schemas.openxmlformats.org/officeDocument/2006/relationships" xmlns:mc="http://schemas.openxmlformats.org/markup-compatibility/2006" xmlns:mv="urn:schemas-microsoft-com:mac:vml" xmlns:p="http://schemas.openxmlformats.org/presentationml/2006/main" xmlns:c="http://schemas.openxmlformats.org/drawingml/2006/chart" xmlns:dgm="http://schemas.openxmlformats.org/drawingml/2006/diagram" xmlns:o="urn:schemas-microsoft-com:office:office" xmlns:v="urn:schemas-microsoft-com:vml" xmlns:pvml="urn:schemas-microsoft-com:office:powerpoint" xmlns:com="http://schemas.openxmlformats.org/drawingml/2006/compatibility" xmlns:p14="http://schemas.microsoft.com/office/powerpoint/2010/main" xmlns:p15="http://schemas.microsoft.com/office/powerpoint/2012/main" xmlns:ahyp="http://schemas.microsoft.com/office/drawing/2018/hyperlinkcolor" matchingName="Caption">
   <p:cSld name="CAPTION_ONLY">
     <p:spTree>
       <p:nvGrpSpPr>
@@ -5621,7 +5621,7 @@
 </file>
 
 <file path=ppt/slideMasters/slideMaster1.xml><?xml version="1.0" encoding="utf-8"?>
-<p:sldMaster xmlns:a="http://schemas.openxmlformats.org/drawingml/2006/main" xmlns:r="http://schemas.openxmlformats.org/officeDocument/2006/relationships" xmlns:mc="http://schemas.openxmlformats.org/markup-compatibility/2006" xmlns:mv="urn:schemas-microsoft-com:mac:vml" xmlns:p="http://schemas.openxmlformats.org/presentationml/2006/main" xmlns:c="http://schemas.openxmlformats.org/drawingml/2006/chart" xmlns:dgm="http://schemas.openxmlformats.org/drawingml/2006/diagram" xmlns:o="urn:schemas-microsoft-com:office:office" xmlns:v="urn:schemas-microsoft-com:vml" xmlns:pvml="urn:schemas-microsoft-com:office:powerpoint" xmlns:com="http://schemas.openxmlformats.org/drawingml/2006/compatibility" xmlns:p14="http://schemas.microsoft.com/office/powerpoint/2010/main" xmlns:p15="http://schemas.microsoft.com/office/powerpoint/2012/main">
+<p:sldMaster xmlns:a="http://schemas.openxmlformats.org/drawingml/2006/main" xmlns:r="http://schemas.openxmlformats.org/officeDocument/2006/relationships" xmlns:mc="http://schemas.openxmlformats.org/markup-compatibility/2006" xmlns:mv="urn:schemas-microsoft-com:mac:vml" xmlns:p="http://schemas.openxmlformats.org/presentationml/2006/main" xmlns:c="http://schemas.openxmlformats.org/drawingml/2006/chart" xmlns:dgm="http://schemas.openxmlformats.org/drawingml/2006/diagram" xmlns:o="urn:schemas-microsoft-com:office:office" xmlns:v="urn:schemas-microsoft-com:vml" xmlns:pvml="urn:schemas-microsoft-com:office:powerpoint" xmlns:com="http://schemas.openxmlformats.org/drawingml/2006/compatibility" xmlns:p14="http://schemas.microsoft.com/office/powerpoint/2010/main" xmlns:p15="http://schemas.microsoft.com/office/powerpoint/2012/main" xmlns:ahyp="http://schemas.microsoft.com/office/drawing/2018/hyperlinkcolor">
   <p:cSld name="slate">
     <p:bg>
       <p:bgPr>
@@ -7008,7 +7008,7 @@
 </file>
 
 <file path=ppt/slides/slide1.xml><?xml version="1.0" encoding="utf-8"?>
-<p:sld xmlns:a="http://schemas.openxmlformats.org/drawingml/2006/main" xmlns:r="http://schemas.openxmlformats.org/officeDocument/2006/relationships" xmlns:mc="http://schemas.openxmlformats.org/markup-compatibility/2006" xmlns:mv="urn:schemas-microsoft-com:mac:vml" xmlns:p="http://schemas.openxmlformats.org/presentationml/2006/main" xmlns:c="http://schemas.openxmlformats.org/drawingml/2006/chart" xmlns:dgm="http://schemas.openxmlformats.org/drawingml/2006/diagram" xmlns:o="urn:schemas-microsoft-com:office:office" xmlns:v="urn:schemas-microsoft-com:vml" xmlns:pvml="urn:schemas-microsoft-com:office:powerpoint" xmlns:com="http://schemas.openxmlformats.org/drawingml/2006/compatibility" xmlns:p14="http://schemas.microsoft.com/office/powerpoint/2010/main" xmlns:p15="http://schemas.microsoft.com/office/powerpoint/2012/main">
+<p:sld xmlns:a="http://schemas.openxmlformats.org/drawingml/2006/main" xmlns:r="http://schemas.openxmlformats.org/officeDocument/2006/relationships" xmlns:mc="http://schemas.openxmlformats.org/markup-compatibility/2006" xmlns:mv="urn:schemas-microsoft-com:mac:vml" xmlns:p="http://schemas.openxmlformats.org/presentationml/2006/main" xmlns:c="http://schemas.openxmlformats.org/drawingml/2006/chart" xmlns:dgm="http://schemas.openxmlformats.org/drawingml/2006/diagram" xmlns:o="urn:schemas-microsoft-com:office:office" xmlns:v="urn:schemas-microsoft-com:vml" xmlns:pvml="urn:schemas-microsoft-com:office:powerpoint" xmlns:com="http://schemas.openxmlformats.org/drawingml/2006/compatibility" xmlns:p14="http://schemas.microsoft.com/office/powerpoint/2010/main" xmlns:p15="http://schemas.microsoft.com/office/powerpoint/2012/main" xmlns:ahyp="http://schemas.microsoft.com/office/drawing/2018/hyperlinkcolor">
   <p:cSld>
     <p:spTree>
       <p:nvGrpSpPr>
@@ -7101,7 +7101,7 @@
 </file>
 
 <file path=ppt/slides/slide10.xml><?xml version="1.0" encoding="utf-8"?>
-<p:sld xmlns:a="http://schemas.openxmlformats.org/drawingml/2006/main" xmlns:r="http://schemas.openxmlformats.org/officeDocument/2006/relationships" xmlns:mc="http://schemas.openxmlformats.org/markup-compatibility/2006" xmlns:mv="urn:schemas-microsoft-com:mac:vml" xmlns:p="http://schemas.openxmlformats.org/presentationml/2006/main" xmlns:c="http://schemas.openxmlformats.org/drawingml/2006/chart" xmlns:dgm="http://schemas.openxmlformats.org/drawingml/2006/diagram" xmlns:o="urn:schemas-microsoft-com:office:office" xmlns:v="urn:schemas-microsoft-com:vml" xmlns:pvml="urn:schemas-microsoft-com:office:powerpoint" xmlns:com="http://schemas.openxmlformats.org/drawingml/2006/compatibility" xmlns:p14="http://schemas.microsoft.com/office/powerpoint/2010/main" xmlns:p15="http://schemas.microsoft.com/office/powerpoint/2012/main">
+<p:sld xmlns:a="http://schemas.openxmlformats.org/drawingml/2006/main" xmlns:r="http://schemas.openxmlformats.org/officeDocument/2006/relationships" xmlns:mc="http://schemas.openxmlformats.org/markup-compatibility/2006" xmlns:mv="urn:schemas-microsoft-com:mac:vml" xmlns:p="http://schemas.openxmlformats.org/presentationml/2006/main" xmlns:c="http://schemas.openxmlformats.org/drawingml/2006/chart" xmlns:dgm="http://schemas.openxmlformats.org/drawingml/2006/diagram" xmlns:o="urn:schemas-microsoft-com:office:office" xmlns:v="urn:schemas-microsoft-com:vml" xmlns:pvml="urn:schemas-microsoft-com:office:powerpoint" xmlns:com="http://schemas.openxmlformats.org/drawingml/2006/compatibility" xmlns:p14="http://schemas.microsoft.com/office/powerpoint/2010/main" xmlns:p15="http://schemas.microsoft.com/office/powerpoint/2012/main" xmlns:ahyp="http://schemas.microsoft.com/office/drawing/2018/hyperlinkcolor">
   <p:cSld>
     <p:spTree>
       <p:nvGrpSpPr>
@@ -7167,7 +7167,7 @@
                   <a:srgbClr val="FFFFFF"/>
                 </a:solidFill>
               </a:rPr>
-              <a:t>redict the functional status of a water pump based on water pump attributes and geographical variables</a:t>
+              <a:t>redict the functional status of a water pump based on water pump attributes and geographical variables.</a:t>
             </a:r>
             <a:endParaRPr sz="1400">
               <a:solidFill>
@@ -7198,7 +7198,31 @@
                   <a:srgbClr val="FFFFFF"/>
                 </a:solidFill>
               </a:rPr>
-              <a:t>The Ministry of Water can gain reduction in labor costs, saving time by prioritizing servicing of pumps that are most likely to be failing</a:t>
+              <a:t>Using our model, t</a:t>
+            </a:r>
+            <a:r>
+              <a:rPr lang="en" sz="1400">
+                <a:solidFill>
+                  <a:srgbClr val="FFFFFF"/>
+                </a:solidFill>
+              </a:rPr>
+              <a:t>he Ministry of Water can save up to </a:t>
+            </a:r>
+            <a:r>
+              <a:rPr lang="en" sz="1400">
+                <a:solidFill>
+                  <a:schemeClr val="dk1"/>
+                </a:solidFill>
+              </a:rPr>
+              <a:t>$2,219,400</a:t>
+            </a:r>
+            <a:r>
+              <a:rPr lang="en" sz="1400">
+                <a:solidFill>
+                  <a:srgbClr val="FFFFFF"/>
+                </a:solidFill>
+              </a:rPr>
+              <a:t>, as well as saving time by prioritizing servicing of pumps that are most likely to be failing.</a:t>
             </a:r>
             <a:endParaRPr sz="1400">
               <a:solidFill>
@@ -7229,11 +7253,23 @@
                   <a:srgbClr val="FFFFFF"/>
                 </a:solidFill>
               </a:rPr>
-              <a:t>The overall accuracy of the four models when applied to the test subset ranged from a low of approximately 71% (Decision Tree) to a high of just over 81% (Random Forest)</a:t>
+              <a:t>The overall accuracy of the four models when applied to the test subset ranged from a low of </a:t>
             </a:r>
-            <a:endParaRPr sz="1400">
+            <a:r>
+              <a:rPr lang="en" sz="1400">
+                <a:solidFill>
+                  <a:schemeClr val="dk1"/>
+                </a:solidFill>
+                <a:latin typeface="Arial"/>
+                <a:ea typeface="Arial"/>
+                <a:cs typeface="Arial"/>
+                <a:sym typeface="Arial"/>
+              </a:rPr>
+              <a:t>approximately 82% (Decision Tree) to a high of just over 85% (Random Forest).</a:t>
+            </a:r>
+            <a:endParaRPr sz="1700">
               <a:solidFill>
-                <a:srgbClr val="FFFFFF"/>
+                <a:schemeClr val="dk1"/>
               </a:solidFill>
             </a:endParaRPr>
           </a:p>
@@ -7260,7 +7296,7 @@
                   <a:srgbClr val="FFFFFF"/>
                 </a:solidFill>
               </a:rPr>
-              <a:t>The Random Forest model is recommended for use by Tanzania’s Ministry of Water</a:t>
+              <a:t>The Random Forest model is recommended for use by Tanzania’s Ministry of Water.</a:t>
             </a:r>
             <a:endParaRPr sz="1400">
               <a:solidFill>
@@ -7304,7 +7340,11 @@
             </a:pPr>
             <a:r>
               <a:rPr lang="en"/>
-              <a:t>Conclusions:</a:t>
+              <a:t>Conclusions</a:t>
+            </a:r>
+            <a:r>
+              <a:rPr lang="en"/>
+              <a:t>:</a:t>
             </a:r>
             <a:endParaRPr/>
           </a:p>
@@ -7319,7 +7359,7 @@
 </file>
 
 <file path=ppt/slides/slide2.xml><?xml version="1.0" encoding="utf-8"?>
-<p:sld xmlns:a="http://schemas.openxmlformats.org/drawingml/2006/main" xmlns:r="http://schemas.openxmlformats.org/officeDocument/2006/relationships" xmlns:mc="http://schemas.openxmlformats.org/markup-compatibility/2006" xmlns:mv="urn:schemas-microsoft-com:mac:vml" xmlns:p="http://schemas.openxmlformats.org/presentationml/2006/main" xmlns:c="http://schemas.openxmlformats.org/drawingml/2006/chart" xmlns:dgm="http://schemas.openxmlformats.org/drawingml/2006/diagram" xmlns:o="urn:schemas-microsoft-com:office:office" xmlns:v="urn:schemas-microsoft-com:vml" xmlns:pvml="urn:schemas-microsoft-com:office:powerpoint" xmlns:com="http://schemas.openxmlformats.org/drawingml/2006/compatibility" xmlns:p14="http://schemas.microsoft.com/office/powerpoint/2010/main" xmlns:p15="http://schemas.microsoft.com/office/powerpoint/2012/main">
+<p:sld xmlns:a="http://schemas.openxmlformats.org/drawingml/2006/main" xmlns:r="http://schemas.openxmlformats.org/officeDocument/2006/relationships" xmlns:mc="http://schemas.openxmlformats.org/markup-compatibility/2006" xmlns:mv="urn:schemas-microsoft-com:mac:vml" xmlns:p="http://schemas.openxmlformats.org/presentationml/2006/main" xmlns:c="http://schemas.openxmlformats.org/drawingml/2006/chart" xmlns:dgm="http://schemas.openxmlformats.org/drawingml/2006/diagram" xmlns:o="urn:schemas-microsoft-com:office:office" xmlns:v="urn:schemas-microsoft-com:vml" xmlns:pvml="urn:schemas-microsoft-com:office:powerpoint" xmlns:com="http://schemas.openxmlformats.org/drawingml/2006/compatibility" xmlns:p14="http://schemas.microsoft.com/office/powerpoint/2010/main" xmlns:p15="http://schemas.microsoft.com/office/powerpoint/2012/main" xmlns:ahyp="http://schemas.microsoft.com/office/drawing/2018/hyperlinkcolor">
   <p:cSld>
     <p:spTree>
       <p:nvGrpSpPr>
@@ -7566,7 +7606,7 @@
 </file>
 
 <file path=ppt/slides/slide3.xml><?xml version="1.0" encoding="utf-8"?>
-<p:sld xmlns:a="http://schemas.openxmlformats.org/drawingml/2006/main" xmlns:r="http://schemas.openxmlformats.org/officeDocument/2006/relationships" xmlns:mc="http://schemas.openxmlformats.org/markup-compatibility/2006" xmlns:mv="urn:schemas-microsoft-com:mac:vml" xmlns:p="http://schemas.openxmlformats.org/presentationml/2006/main" xmlns:c="http://schemas.openxmlformats.org/drawingml/2006/chart" xmlns:dgm="http://schemas.openxmlformats.org/drawingml/2006/diagram" xmlns:o="urn:schemas-microsoft-com:office:office" xmlns:v="urn:schemas-microsoft-com:vml" xmlns:pvml="urn:schemas-microsoft-com:office:powerpoint" xmlns:com="http://schemas.openxmlformats.org/drawingml/2006/compatibility" xmlns:p14="http://schemas.microsoft.com/office/powerpoint/2010/main" xmlns:p15="http://schemas.microsoft.com/office/powerpoint/2012/main">
+<p:sld xmlns:a="http://schemas.openxmlformats.org/drawingml/2006/main" xmlns:r="http://schemas.openxmlformats.org/officeDocument/2006/relationships" xmlns:mc="http://schemas.openxmlformats.org/markup-compatibility/2006" xmlns:mv="urn:schemas-microsoft-com:mac:vml" xmlns:p="http://schemas.openxmlformats.org/presentationml/2006/main" xmlns:c="http://schemas.openxmlformats.org/drawingml/2006/chart" xmlns:dgm="http://schemas.openxmlformats.org/drawingml/2006/diagram" xmlns:o="urn:schemas-microsoft-com:office:office" xmlns:v="urn:schemas-microsoft-com:vml" xmlns:pvml="urn:schemas-microsoft-com:office:powerpoint" xmlns:com="http://schemas.openxmlformats.org/drawingml/2006/compatibility" xmlns:p14="http://schemas.microsoft.com/office/powerpoint/2010/main" xmlns:p15="http://schemas.microsoft.com/office/powerpoint/2012/main" xmlns:ahyp="http://schemas.microsoft.com/office/drawing/2018/hyperlinkcolor">
   <p:cSld>
     <p:spTree>
       <p:nvGrpSpPr>
@@ -7849,7 +7889,7 @@
 </file>
 
 <file path=ppt/slides/slide4.xml><?xml version="1.0" encoding="utf-8"?>
-<p:sld xmlns:a="http://schemas.openxmlformats.org/drawingml/2006/main" xmlns:r="http://schemas.openxmlformats.org/officeDocument/2006/relationships" xmlns:mc="http://schemas.openxmlformats.org/markup-compatibility/2006" xmlns:mv="urn:schemas-microsoft-com:mac:vml" xmlns:p="http://schemas.openxmlformats.org/presentationml/2006/main" xmlns:c="http://schemas.openxmlformats.org/drawingml/2006/chart" xmlns:dgm="http://schemas.openxmlformats.org/drawingml/2006/diagram" xmlns:o="urn:schemas-microsoft-com:office:office" xmlns:v="urn:schemas-microsoft-com:vml" xmlns:pvml="urn:schemas-microsoft-com:office:powerpoint" xmlns:com="http://schemas.openxmlformats.org/drawingml/2006/compatibility" xmlns:p14="http://schemas.microsoft.com/office/powerpoint/2010/main" xmlns:p15="http://schemas.microsoft.com/office/powerpoint/2012/main">
+<p:sld xmlns:a="http://schemas.openxmlformats.org/drawingml/2006/main" xmlns:r="http://schemas.openxmlformats.org/officeDocument/2006/relationships" xmlns:mc="http://schemas.openxmlformats.org/markup-compatibility/2006" xmlns:mv="urn:schemas-microsoft-com:mac:vml" xmlns:p="http://schemas.openxmlformats.org/presentationml/2006/main" xmlns:c="http://schemas.openxmlformats.org/drawingml/2006/chart" xmlns:dgm="http://schemas.openxmlformats.org/drawingml/2006/diagram" xmlns:o="urn:schemas-microsoft-com:office:office" xmlns:v="urn:schemas-microsoft-com:vml" xmlns:pvml="urn:schemas-microsoft-com:office:powerpoint" xmlns:com="http://schemas.openxmlformats.org/drawingml/2006/compatibility" xmlns:p14="http://schemas.microsoft.com/office/powerpoint/2010/main" xmlns:p15="http://schemas.microsoft.com/office/powerpoint/2012/main" xmlns:ahyp="http://schemas.microsoft.com/office/drawing/2018/hyperlinkcolor">
   <p:cSld>
     <p:spTree>
       <p:nvGrpSpPr>
@@ -8078,7 +8118,7 @@
 </file>
 
 <file path=ppt/slides/slide5.xml><?xml version="1.0" encoding="utf-8"?>
-<p:sld xmlns:a="http://schemas.openxmlformats.org/drawingml/2006/main" xmlns:r="http://schemas.openxmlformats.org/officeDocument/2006/relationships" xmlns:mc="http://schemas.openxmlformats.org/markup-compatibility/2006" xmlns:mv="urn:schemas-microsoft-com:mac:vml" xmlns:p="http://schemas.openxmlformats.org/presentationml/2006/main" xmlns:c="http://schemas.openxmlformats.org/drawingml/2006/chart" xmlns:dgm="http://schemas.openxmlformats.org/drawingml/2006/diagram" xmlns:o="urn:schemas-microsoft-com:office:office" xmlns:v="urn:schemas-microsoft-com:vml" xmlns:pvml="urn:schemas-microsoft-com:office:powerpoint" xmlns:com="http://schemas.openxmlformats.org/drawingml/2006/compatibility" xmlns:p14="http://schemas.microsoft.com/office/powerpoint/2010/main" xmlns:p15="http://schemas.microsoft.com/office/powerpoint/2012/main">
+<p:sld xmlns:a="http://schemas.openxmlformats.org/drawingml/2006/main" xmlns:r="http://schemas.openxmlformats.org/officeDocument/2006/relationships" xmlns:mc="http://schemas.openxmlformats.org/markup-compatibility/2006" xmlns:mv="urn:schemas-microsoft-com:mac:vml" xmlns:p="http://schemas.openxmlformats.org/presentationml/2006/main" xmlns:c="http://schemas.openxmlformats.org/drawingml/2006/chart" xmlns:dgm="http://schemas.openxmlformats.org/drawingml/2006/diagram" xmlns:o="urn:schemas-microsoft-com:office:office" xmlns:v="urn:schemas-microsoft-com:vml" xmlns:pvml="urn:schemas-microsoft-com:office:powerpoint" xmlns:com="http://schemas.openxmlformats.org/drawingml/2006/compatibility" xmlns:p14="http://schemas.microsoft.com/office/powerpoint/2010/main" xmlns:p15="http://schemas.microsoft.com/office/powerpoint/2012/main" xmlns:ahyp="http://schemas.microsoft.com/office/drawing/2018/hyperlinkcolor">
   <p:cSld>
     <p:spTree>
       <p:nvGrpSpPr>
@@ -8299,7 +8339,7 @@
 </file>
 
 <file path=ppt/slides/slide6.xml><?xml version="1.0" encoding="utf-8"?>
-<p:sld xmlns:a="http://schemas.openxmlformats.org/drawingml/2006/main" xmlns:r="http://schemas.openxmlformats.org/officeDocument/2006/relationships" xmlns:mc="http://schemas.openxmlformats.org/markup-compatibility/2006" xmlns:mv="urn:schemas-microsoft-com:mac:vml" xmlns:p="http://schemas.openxmlformats.org/presentationml/2006/main" xmlns:c="http://schemas.openxmlformats.org/drawingml/2006/chart" xmlns:dgm="http://schemas.openxmlformats.org/drawingml/2006/diagram" xmlns:o="urn:schemas-microsoft-com:office:office" xmlns:v="urn:schemas-microsoft-com:vml" xmlns:pvml="urn:schemas-microsoft-com:office:powerpoint" xmlns:com="http://schemas.openxmlformats.org/drawingml/2006/compatibility" xmlns:p14="http://schemas.microsoft.com/office/powerpoint/2010/main" xmlns:p15="http://schemas.microsoft.com/office/powerpoint/2012/main">
+<p:sld xmlns:a="http://schemas.openxmlformats.org/drawingml/2006/main" xmlns:r="http://schemas.openxmlformats.org/officeDocument/2006/relationships" xmlns:mc="http://schemas.openxmlformats.org/markup-compatibility/2006" xmlns:mv="urn:schemas-microsoft-com:mac:vml" xmlns:p="http://schemas.openxmlformats.org/presentationml/2006/main" xmlns:c="http://schemas.openxmlformats.org/drawingml/2006/chart" xmlns:dgm="http://schemas.openxmlformats.org/drawingml/2006/diagram" xmlns:o="urn:schemas-microsoft-com:office:office" xmlns:v="urn:schemas-microsoft-com:vml" xmlns:pvml="urn:schemas-microsoft-com:office:powerpoint" xmlns:com="http://schemas.openxmlformats.org/drawingml/2006/compatibility" xmlns:p14="http://schemas.microsoft.com/office/powerpoint/2010/main" xmlns:p15="http://schemas.microsoft.com/office/powerpoint/2012/main" xmlns:ahyp="http://schemas.microsoft.com/office/drawing/2018/hyperlinkcolor">
   <p:cSld>
     <p:spTree>
       <p:nvGrpSpPr>
@@ -8520,7 +8560,7 @@
 </file>
 
 <file path=ppt/slides/slide7.xml><?xml version="1.0" encoding="utf-8"?>
-<p:sld xmlns:a="http://schemas.openxmlformats.org/drawingml/2006/main" xmlns:r="http://schemas.openxmlformats.org/officeDocument/2006/relationships" xmlns:mc="http://schemas.openxmlformats.org/markup-compatibility/2006" xmlns:mv="urn:schemas-microsoft-com:mac:vml" xmlns:p="http://schemas.openxmlformats.org/presentationml/2006/main" xmlns:c="http://schemas.openxmlformats.org/drawingml/2006/chart" xmlns:dgm="http://schemas.openxmlformats.org/drawingml/2006/diagram" xmlns:o="urn:schemas-microsoft-com:office:office" xmlns:v="urn:schemas-microsoft-com:vml" xmlns:pvml="urn:schemas-microsoft-com:office:powerpoint" xmlns:com="http://schemas.openxmlformats.org/drawingml/2006/compatibility" xmlns:p14="http://schemas.microsoft.com/office/powerpoint/2010/main" xmlns:p15="http://schemas.microsoft.com/office/powerpoint/2012/main">
+<p:sld xmlns:a="http://schemas.openxmlformats.org/drawingml/2006/main" xmlns:r="http://schemas.openxmlformats.org/officeDocument/2006/relationships" xmlns:mc="http://schemas.openxmlformats.org/markup-compatibility/2006" xmlns:mv="urn:schemas-microsoft-com:mac:vml" xmlns:p="http://schemas.openxmlformats.org/presentationml/2006/main" xmlns:c="http://schemas.openxmlformats.org/drawingml/2006/chart" xmlns:dgm="http://schemas.openxmlformats.org/drawingml/2006/diagram" xmlns:o="urn:schemas-microsoft-com:office:office" xmlns:v="urn:schemas-microsoft-com:vml" xmlns:pvml="urn:schemas-microsoft-com:office:powerpoint" xmlns:com="http://schemas.openxmlformats.org/drawingml/2006/compatibility" xmlns:p14="http://schemas.microsoft.com/office/powerpoint/2010/main" xmlns:p15="http://schemas.microsoft.com/office/powerpoint/2012/main" xmlns:ahyp="http://schemas.microsoft.com/office/drawing/2018/hyperlinkcolor">
   <p:cSld>
     <p:spTree>
       <p:nvGrpSpPr>
@@ -8752,7 +8792,7 @@
 </file>
 
 <file path=ppt/slides/slide8.xml><?xml version="1.0" encoding="utf-8"?>
-<p:sld xmlns:a="http://schemas.openxmlformats.org/drawingml/2006/main" xmlns:r="http://schemas.openxmlformats.org/officeDocument/2006/relationships" xmlns:mc="http://schemas.openxmlformats.org/markup-compatibility/2006" xmlns:mv="urn:schemas-microsoft-com:mac:vml" xmlns:p="http://schemas.openxmlformats.org/presentationml/2006/main" xmlns:c="http://schemas.openxmlformats.org/drawingml/2006/chart" xmlns:dgm="http://schemas.openxmlformats.org/drawingml/2006/diagram" xmlns:o="urn:schemas-microsoft-com:office:office" xmlns:v="urn:schemas-microsoft-com:vml" xmlns:pvml="urn:schemas-microsoft-com:office:powerpoint" xmlns:com="http://schemas.openxmlformats.org/drawingml/2006/compatibility" xmlns:p14="http://schemas.microsoft.com/office/powerpoint/2010/main" xmlns:p15="http://schemas.microsoft.com/office/powerpoint/2012/main">
+<p:sld xmlns:a="http://schemas.openxmlformats.org/drawingml/2006/main" xmlns:r="http://schemas.openxmlformats.org/officeDocument/2006/relationships" xmlns:mc="http://schemas.openxmlformats.org/markup-compatibility/2006" xmlns:mv="urn:schemas-microsoft-com:mac:vml" xmlns:p="http://schemas.openxmlformats.org/presentationml/2006/main" xmlns:c="http://schemas.openxmlformats.org/drawingml/2006/chart" xmlns:dgm="http://schemas.openxmlformats.org/drawingml/2006/diagram" xmlns:o="urn:schemas-microsoft-com:office:office" xmlns:v="urn:schemas-microsoft-com:vml" xmlns:pvml="urn:schemas-microsoft-com:office:powerpoint" xmlns:com="http://schemas.openxmlformats.org/drawingml/2006/compatibility" xmlns:p14="http://schemas.microsoft.com/office/powerpoint/2010/main" xmlns:p15="http://schemas.microsoft.com/office/powerpoint/2012/main" xmlns:ahyp="http://schemas.microsoft.com/office/drawing/2018/hyperlinkcolor">
   <p:cSld>
     <p:spTree>
       <p:nvGrpSpPr>
@@ -9102,7 +9142,7 @@
 </file>
 
 <file path=ppt/slides/slide9.xml><?xml version="1.0" encoding="utf-8"?>
-<p:sld xmlns:a="http://schemas.openxmlformats.org/drawingml/2006/main" xmlns:r="http://schemas.openxmlformats.org/officeDocument/2006/relationships" xmlns:mc="http://schemas.openxmlformats.org/markup-compatibility/2006" xmlns:mv="urn:schemas-microsoft-com:mac:vml" xmlns:p="http://schemas.openxmlformats.org/presentationml/2006/main" xmlns:c="http://schemas.openxmlformats.org/drawingml/2006/chart" xmlns:dgm="http://schemas.openxmlformats.org/drawingml/2006/diagram" xmlns:o="urn:schemas-microsoft-com:office:office" xmlns:v="urn:schemas-microsoft-com:vml" xmlns:pvml="urn:schemas-microsoft-com:office:powerpoint" xmlns:com="http://schemas.openxmlformats.org/drawingml/2006/compatibility" xmlns:p14="http://schemas.microsoft.com/office/powerpoint/2010/main" xmlns:p15="http://schemas.microsoft.com/office/powerpoint/2012/main">
+<p:sld xmlns:a="http://schemas.openxmlformats.org/drawingml/2006/main" xmlns:r="http://schemas.openxmlformats.org/officeDocument/2006/relationships" xmlns:mc="http://schemas.openxmlformats.org/markup-compatibility/2006" xmlns:mv="urn:schemas-microsoft-com:mac:vml" xmlns:p="http://schemas.openxmlformats.org/presentationml/2006/main" xmlns:c="http://schemas.openxmlformats.org/drawingml/2006/chart" xmlns:dgm="http://schemas.openxmlformats.org/drawingml/2006/diagram" xmlns:o="urn:schemas-microsoft-com:office:office" xmlns:v="urn:schemas-microsoft-com:vml" xmlns:pvml="urn:schemas-microsoft-com:office:powerpoint" xmlns:com="http://schemas.openxmlformats.org/drawingml/2006/compatibility" xmlns:p14="http://schemas.microsoft.com/office/powerpoint/2010/main" xmlns:p15="http://schemas.microsoft.com/office/powerpoint/2012/main" xmlns:ahyp="http://schemas.microsoft.com/office/drawing/2018/hyperlinkcolor">
   <p:cSld>
     <p:spTree>
       <p:nvGrpSpPr>
